--- a/2024-05-04to05-10 (A5) C384400 NASA/20_27v01_Base Camp Artemis_OpeningBriefing.pptx
+++ b/2024-05-04to05-10 (A5) C384400 NASA/20_27v01_Base Camp Artemis_OpeningBriefing.pptx
@@ -259,7 +259,7 @@
           <a:p>
             <a:fld id="{F319E496-E8FF-4856-B08F-DBE14D18B236}" type="datetimeFigureOut">
               <a:rPr lang="en-US" smtClean="0"/>
-              <a:t>7/13/2024</a:t>
+              <a:t>8/11/2024</a:t>
             </a:fld>
             <a:endParaRPr lang="en-US"/>
           </a:p>
@@ -436,7 +436,7 @@
           <a:p>
             <a:fld id="{4572F63B-EF0F-9942-98B2-F67CC88AF236}" type="datetimeFigureOut">
               <a:rPr lang="en-US" smtClean="0"/>
-              <a:t>7/13/2024</a:t>
+              <a:t>8/11/2024</a:t>
             </a:fld>
             <a:endParaRPr lang="en-US"/>
           </a:p>
@@ -1514,7 +1514,7 @@
               </a14:hiddenLine>
             </a:ext>
             <a:ext uri="{FAA26D3D-D897-4be2-8F04-BA451C77F1D7}">
-              <ma14:placeholderFlag xmlns="" xmlns:ma14="http://schemas.microsoft.com/office/mac/drawingml/2011/main" val="1"/>
+              <ma14:placeholderFlag xmlns:ma14="http://schemas.microsoft.com/office/mac/drawingml/2011/main" xmlns="" val="1"/>
             </a:ext>
           </a:extLst>
         </p:spPr>
@@ -1701,7 +1701,7 @@
               </a14:hiddenLine>
             </a:ext>
             <a:ext uri="{FAA26D3D-D897-4be2-8F04-BA451C77F1D7}">
-              <ma14:placeholderFlag xmlns="" xmlns:ma14="http://schemas.microsoft.com/office/mac/drawingml/2011/main" val="1"/>
+              <ma14:placeholderFlag xmlns:ma14="http://schemas.microsoft.com/office/mac/drawingml/2011/main" xmlns="" val="1"/>
             </a:ext>
           </a:extLst>
         </p:spPr>
@@ -1955,7 +1955,7 @@
               </a14:hiddenLine>
             </a:ext>
             <a:ext uri="{FAA26D3D-D897-4be2-8F04-BA451C77F1D7}">
-              <ma14:placeholderFlag xmlns="" xmlns:ma14="http://schemas.microsoft.com/office/mac/drawingml/2011/main" val="1"/>
+              <ma14:placeholderFlag xmlns:ma14="http://schemas.microsoft.com/office/mac/drawingml/2011/main" xmlns="" val="1"/>
             </a:ext>
           </a:extLst>
         </p:spPr>
@@ -2209,7 +2209,7 @@
               </a14:hiddenLine>
             </a:ext>
             <a:ext uri="{FAA26D3D-D897-4be2-8F04-BA451C77F1D7}">
-              <ma14:placeholderFlag xmlns="" xmlns:ma14="http://schemas.microsoft.com/office/mac/drawingml/2011/main" val="1"/>
+              <ma14:placeholderFlag xmlns:ma14="http://schemas.microsoft.com/office/mac/drawingml/2011/main" xmlns="" val="1"/>
             </a:ext>
           </a:extLst>
         </p:spPr>
@@ -2738,7 +2738,7 @@
               </a14:hiddenLine>
             </a:ext>
             <a:ext uri="{FAA26D3D-D897-4be2-8F04-BA451C77F1D7}">
-              <ma14:placeholderFlag xmlns="" xmlns:ma14="http://schemas.microsoft.com/office/mac/drawingml/2011/main" val="1"/>
+              <ma14:placeholderFlag xmlns:ma14="http://schemas.microsoft.com/office/mac/drawingml/2011/main" xmlns="" val="1"/>
             </a:ext>
           </a:extLst>
         </p:spPr>
@@ -5369,14 +5369,14 @@
           </a:ln>
           <a:extLst>
             <a:ext uri="{909E8E84-426E-40dd-AFC4-6F175D3DCCD1}">
-              <a14:hiddenFill xmlns:a14="http://schemas.microsoft.com/office/drawing/2010/main" xmlns="">
+              <a14:hiddenFill xmlns="" xmlns:a14="http://schemas.microsoft.com/office/drawing/2010/main">
                 <a:solidFill>
                   <a:schemeClr val="accent1"/>
                 </a:solidFill>
               </a14:hiddenFill>
             </a:ext>
             <a:ext uri="{91240B29-F687-4f45-9708-019B960494DF}">
-              <a14:hiddenLine xmlns:a14="http://schemas.microsoft.com/office/drawing/2010/main" xmlns="" w="9525">
+              <a14:hiddenLine xmlns="" xmlns:a14="http://schemas.microsoft.com/office/drawing/2010/main" w="9525">
                 <a:solidFill>
                   <a:schemeClr val="tx1"/>
                 </a:solidFill>
@@ -6262,7 +6262,7 @@
           <a:graphicData uri="http://schemas.openxmlformats.org/presentationml/2006/ole">
             <mc:AlternateContent xmlns:mc="http://schemas.openxmlformats.org/markup-compatibility/2006">
               <mc:Choice xmlns:v="urn:schemas-microsoft-com:vml" Requires="v">
-                <p:oleObj spid="_x0000_s1062" name="Macro-Enabled Worksheet" r:id="rId3" imgW="5196769" imgH="2918310" progId="Excel.SheetMacroEnabled.12">
+                <p:oleObj spid="_x0000_s1065" name="Macro-Enabled Worksheet" r:id="rId3" imgW="5196769" imgH="2918310" progId="Excel.SheetMacroEnabled.12">
                   <p:link updateAutomatic="1"/>
                 </p:oleObj>
               </mc:Choice>
@@ -6325,7 +6325,7 @@
           <a:graphicData uri="http://schemas.openxmlformats.org/presentationml/2006/ole">
             <mc:AlternateContent xmlns:mc="http://schemas.openxmlformats.org/markup-compatibility/2006">
               <mc:Choice xmlns:v="urn:schemas-microsoft-com:vml" Requires="v">
-                <p:oleObj spid="_x0000_s1063" name="Macro-Enabled Worksheet" r:id="rId5" imgW="5196769" imgH="670734" progId="Excel.SheetMacroEnabled.12">
+                <p:oleObj spid="_x0000_s1066" name="Macro-Enabled Worksheet" r:id="rId5" imgW="5196769" imgH="670734" progId="Excel.SheetMacroEnabled.12">
                   <p:link updateAutomatic="1"/>
                 </p:oleObj>
               </mc:Choice>
@@ -6388,7 +6388,7 @@
           <a:graphicData uri="http://schemas.openxmlformats.org/presentationml/2006/ole">
             <mc:AlternateContent xmlns:mc="http://schemas.openxmlformats.org/markup-compatibility/2006">
               <mc:Choice xmlns:v="urn:schemas-microsoft-com:vml" Requires="v">
-                <p:oleObj spid="_x0000_s1064" name="Macro-Enabled Worksheet" r:id="rId7" imgW="5196769" imgH="274178" progId="Excel.SheetMacroEnabled.12">
+                <p:oleObj spid="_x0000_s1067" name="Macro-Enabled Worksheet" r:id="rId7" imgW="5196769" imgH="274178" progId="Excel.SheetMacroEnabled.12">
                   <p:link updateAutomatic="1"/>
                 </p:oleObj>
               </mc:Choice>
@@ -6506,7 +6506,7 @@
           <a:graphicData uri="http://schemas.openxmlformats.org/presentationml/2006/ole">
             <mc:AlternateContent xmlns:mc="http://schemas.openxmlformats.org/markup-compatibility/2006">
               <mc:Choice xmlns:v="urn:schemas-microsoft-com:vml" Requires="v">
-                <p:oleObj spid="_x0000_s5134" name="Macro-Enabled Worksheet" r:id="rId4" imgW="8244911" imgH="2110701" progId="Excel.SheetMacroEnabled.12">
+                <p:oleObj spid="_x0000_s5135" name="Macro-Enabled Worksheet" r:id="rId4" imgW="8244911" imgH="2110701" progId="Excel.SheetMacroEnabled.12">
                   <p:link updateAutomatic="1"/>
                 </p:oleObj>
               </mc:Choice>
@@ -6630,7 +6630,7 @@
           <a:graphicData uri="http://schemas.openxmlformats.org/presentationml/2006/ole">
             <mc:AlternateContent xmlns:mc="http://schemas.openxmlformats.org/markup-compatibility/2006">
               <mc:Choice xmlns:v="urn:schemas-microsoft-com:vml" Requires="v">
-                <p:oleObj spid="_x0000_s6158" name="Macro-Enabled Worksheet" r:id="rId4" imgW="9928683" imgH="5463516" progId="Excel.SheetMacroEnabled.12">
+                <p:oleObj spid="_x0000_s6159" name="Macro-Enabled Worksheet" r:id="rId4" imgW="9928683" imgH="5463516" progId="Excel.SheetMacroEnabled.12">
                   <p:link updateAutomatic="1"/>
                 </p:oleObj>
               </mc:Choice>
@@ -6749,7 +6749,7 @@
           <a:graphicData uri="http://schemas.openxmlformats.org/presentationml/2006/ole">
             <mc:AlternateContent xmlns:mc="http://schemas.openxmlformats.org/markup-compatibility/2006">
               <mc:Choice xmlns:v="urn:schemas-microsoft-com:vml" Requires="v">
-                <p:oleObj spid="_x0000_s7182" name="Macro-Enabled Worksheet" r:id="rId4" imgW="8244911" imgH="358179" progId="Excel.SheetMacroEnabled.12">
+                <p:oleObj spid="_x0000_s7183" name="Macro-Enabled Worksheet" r:id="rId4" imgW="8244911" imgH="358179" progId="Excel.SheetMacroEnabled.12">
                   <p:link updateAutomatic="1"/>
                 </p:oleObj>
               </mc:Choice>
@@ -6868,7 +6868,7 @@
           <a:graphicData uri="http://schemas.openxmlformats.org/presentationml/2006/ole">
             <mc:AlternateContent xmlns:mc="http://schemas.openxmlformats.org/markup-compatibility/2006">
               <mc:Choice xmlns:v="urn:schemas-microsoft-com:vml" Requires="v">
-                <p:oleObj spid="_x0000_s8206" name="Macro-Enabled Worksheet" r:id="rId4" imgW="13403403" imgH="4008199" progId="Excel.SheetMacroEnabled.12">
+                <p:oleObj spid="_x0000_s8207" name="Macro-Enabled Worksheet" r:id="rId4" imgW="13403403" imgH="4008199" progId="Excel.SheetMacroEnabled.12">
                   <p:link updateAutomatic="1"/>
                 </p:oleObj>
               </mc:Choice>
@@ -6961,7 +6961,7 @@
           <a:graphicData uri="http://schemas.openxmlformats.org/presentationml/2006/ole">
             <mc:AlternateContent xmlns:mc="http://schemas.openxmlformats.org/markup-compatibility/2006">
               <mc:Choice xmlns:v="urn:schemas-microsoft-com:vml" Requires="v">
-                <p:oleObj spid="_x0000_s9230" name="Macro-Enabled Worksheet" r:id="rId3" imgW="11186302" imgH="3474767" progId="Excel.SheetMacroEnabled.12">
+                <p:oleObj spid="_x0000_s9231" name="Macro-Enabled Worksheet" r:id="rId3" imgW="11186302" imgH="3474767" progId="Excel.SheetMacroEnabled.12">
                   <p:link updateAutomatic="1"/>
                 </p:oleObj>
               </mc:Choice>
@@ -7088,7 +7088,7 @@
           <a:graphicData uri="http://schemas.openxmlformats.org/presentationml/2006/ole">
             <mc:AlternateContent xmlns:mc="http://schemas.openxmlformats.org/markup-compatibility/2006">
               <mc:Choice xmlns:v="urn:schemas-microsoft-com:vml" Requires="v">
-                <p:oleObj spid="_x0000_s10254" name="Macro-Enabled Worksheet" r:id="rId3" imgW="11186302" imgH="3474767" progId="Excel.SheetMacroEnabled.12">
+                <p:oleObj spid="_x0000_s10255" name="Macro-Enabled Worksheet" r:id="rId3" imgW="11186302" imgH="3474767" progId="Excel.SheetMacroEnabled.12">
                   <p:link updateAutomatic="1"/>
                 </p:oleObj>
               </mc:Choice>
@@ -7341,7 +7341,7 @@
           <a:graphicData uri="http://schemas.openxmlformats.org/presentationml/2006/ole">
             <mc:AlternateContent xmlns:mc="http://schemas.openxmlformats.org/markup-compatibility/2006">
               <mc:Choice xmlns:v="urn:schemas-microsoft-com:vml" Requires="v">
-                <p:oleObj spid="_x0000_s11290" name="Macro-Enabled Worksheet" r:id="rId4" imgW="12489003" imgH="9060235" progId="Excel.SheetMacroEnabled.12">
+                <p:oleObj spid="_x0000_s11292" name="Macro-Enabled Worksheet" r:id="rId4" imgW="12489003" imgH="9060235" progId="Excel.SheetMacroEnabled.12">
                   <p:link updateAutomatic="1"/>
                 </p:oleObj>
               </mc:Choice>
@@ -7492,7 +7492,7 @@
           <a:graphicData uri="http://schemas.openxmlformats.org/presentationml/2006/ole">
             <mc:AlternateContent xmlns:mc="http://schemas.openxmlformats.org/markup-compatibility/2006">
               <mc:Choice xmlns:v="urn:schemas-microsoft-com:vml" Requires="v">
-                <p:oleObj spid="_x0000_s11291" name="Macro-Enabled Worksheet" r:id="rId6" imgW="3330117" imgH="7675" progId="Excel.SheetMacroEnabled.12">
+                <p:oleObj spid="_x0000_s11293" name="Macro-Enabled Worksheet" r:id="rId6" imgW="3330117" imgH="7675" progId="Excel.SheetMacroEnabled.12">
                   <p:link updateAutomatic="1"/>
                 </p:oleObj>
               </mc:Choice>
@@ -7918,7 +7918,7 @@
           <a:graphicData uri="http://schemas.openxmlformats.org/presentationml/2006/ole">
             <mc:AlternateContent xmlns:mc="http://schemas.openxmlformats.org/markup-compatibility/2006">
               <mc:Choice xmlns:v="urn:schemas-microsoft-com:vml" Requires="v">
-                <p:oleObj spid="_x0000_s12302" name="Macro-Enabled Worksheet" r:id="rId3" imgW="8244911" imgH="2819384" progId="Excel.SheetMacroEnabled.12">
+                <p:oleObj spid="_x0000_s12303" name="Macro-Enabled Worksheet" r:id="rId3" imgW="8244911" imgH="2819384" progId="Excel.SheetMacroEnabled.12">
                   <p:link updateAutomatic="1"/>
                 </p:oleObj>
               </mc:Choice>
@@ -9587,6 +9587,62 @@
           </a:effectLst>
         </p:spPr>
       </p:pic>
+      <p:sp>
+        <p:nvSpPr>
+          <p:cNvPr id="52" name="TextBox 51">
+            <a:extLst>
+              <a:ext uri="{FF2B5EF4-FFF2-40B4-BE49-F238E27FC236}">
+                <a16:creationId xmlns:a16="http://schemas.microsoft.com/office/drawing/2014/main" id="{160E9D88-C667-464F-AD1D-49F588181C0A}"/>
+              </a:ext>
+            </a:extLst>
+          </p:cNvPr>
+          <p:cNvSpPr txBox="1"/>
+          <p:nvPr/>
+        </p:nvSpPr>
+        <p:spPr>
+          <a:xfrm>
+            <a:off x="10578021" y="999391"/>
+            <a:ext cx="1356866" cy="738664"/>
+          </a:xfrm>
+          <a:prstGeom prst="rect">
+            <a:avLst/>
+          </a:prstGeom>
+          <a:noFill/>
+          <a:ln>
+            <a:solidFill>
+              <a:srgbClr val="FF0000"/>
+            </a:solidFill>
+          </a:ln>
+        </p:spPr>
+        <p:txBody>
+          <a:bodyPr wrap="square">
+            <a:spAutoFit/>
+          </a:bodyPr>
+          <a:lstStyle/>
+          <a:p>
+            <a:pPr algn="ctr"/>
+            <a:r>
+              <a:rPr lang="en-US" sz="1400" dirty="0">
+                <a:solidFill>
+                  <a:srgbClr val="FF0000"/>
+                </a:solidFill>
+              </a:rPr>
+              <a:t>Registered PRC trademark</a:t>
+            </a:r>
+          </a:p>
+          <a:p>
+            <a:pPr algn="ctr"/>
+            <a:r>
+              <a:rPr lang="en-US" sz="1400" dirty="0">
+                <a:solidFill>
+                  <a:srgbClr val="FF0000"/>
+                </a:solidFill>
+              </a:rPr>
+              <a:t>21050449</a:t>
+            </a:r>
+          </a:p>
+        </p:txBody>
+      </p:sp>
     </p:spTree>
     <p:extLst>
       <p:ext uri="{BB962C8B-B14F-4D97-AF65-F5344CB8AC3E}">
@@ -10388,7 +10444,7 @@
           <a:graphicData uri="http://schemas.openxmlformats.org/presentationml/2006/ole">
             <mc:AlternateContent xmlns:mc="http://schemas.openxmlformats.org/markup-compatibility/2006">
               <mc:Choice xmlns:v="urn:schemas-microsoft-com:vml" Requires="v">
-                <p:oleObj spid="_x0000_s2062" name="Macro-Enabled Worksheet" r:id="rId4" imgW="8244911" imgH="1432718" progId="Excel.SheetMacroEnabled.12">
+                <p:oleObj spid="_x0000_s2063" name="Macro-Enabled Worksheet" r:id="rId4" imgW="8244911" imgH="1432718" progId="Excel.SheetMacroEnabled.12">
                   <p:link updateAutomatic="1"/>
                 </p:oleObj>
               </mc:Choice>
@@ -10511,7 +10567,7 @@
           <a:graphicData uri="http://schemas.openxmlformats.org/presentationml/2006/ole">
             <mc:AlternateContent xmlns:mc="http://schemas.openxmlformats.org/markup-compatibility/2006">
               <mc:Choice xmlns:v="urn:schemas-microsoft-com:vml" Requires="v">
-                <p:oleObj spid="_x0000_s3086" name="Macro-Enabled Worksheet" r:id="rId4" imgW="8244911" imgH="1584944" progId="Excel.SheetMacroEnabled.12">
+                <p:oleObj spid="_x0000_s3087" name="Macro-Enabled Worksheet" r:id="rId4" imgW="8244911" imgH="1584944" progId="Excel.SheetMacroEnabled.12">
                   <p:link updateAutomatic="1"/>
                 </p:oleObj>
               </mc:Choice>
@@ -10654,7 +10710,7 @@
           <a:graphicData uri="http://schemas.openxmlformats.org/presentationml/2006/ole">
             <mc:AlternateContent xmlns:mc="http://schemas.openxmlformats.org/markup-compatibility/2006">
               <mc:Choice xmlns:v="urn:schemas-microsoft-com:vml" Requires="v">
-                <p:oleObj spid="_x0000_s4110" name="Macro-Enabled Worksheet" r:id="rId4" imgW="7437262" imgH="1394342" progId="Excel.SheetMacroEnabled.12">
+                <p:oleObj spid="_x0000_s4111" name="Macro-Enabled Worksheet" r:id="rId4" imgW="7437262" imgH="1394342" progId="Excel.SheetMacroEnabled.12">
                   <p:link updateAutomatic="1"/>
                 </p:oleObj>
               </mc:Choice>
@@ -12178,6 +12234,15 @@
 </file>
 
 <file path=customXml/item1.xml><?xml version="1.0" encoding="utf-8"?>
+<?mso-contentType ?>
+<FormTemplates xmlns="http://schemas.microsoft.com/sharepoint/v3/contenttype/forms">
+  <Display>DocumentLibraryForm</Display>
+  <Edit>DocumentLibraryForm</Edit>
+  <New>DocumentLibraryForm</New>
+</FormTemplates>
+</file>
+
+<file path=customXml/item2.xml><?xml version="1.0" encoding="utf-8"?>
 <ct:contentTypeSchema xmlns:ct="http://schemas.microsoft.com/office/2006/metadata/contentType" xmlns:ma="http://schemas.microsoft.com/office/2006/metadata/properties/metaAttributes" ct:_="" ma:_="" ma:contentTypeName="Document" ma:contentTypeID="0x0101001F513751AC33344AB32CFD2920EFE649" ma:contentTypeVersion="11" ma:contentTypeDescription="Create a new document." ma:contentTypeScope="" ma:versionID="683516f7d70434a0e4dbd6c476be8d5b">
   <xsd:schema xmlns:xsd="http://www.w3.org/2001/XMLSchema" xmlns:xs="http://www.w3.org/2001/XMLSchema" xmlns:p="http://schemas.microsoft.com/office/2006/metadata/properties" xmlns:ns2="72e3a154-4955-46c3-9573-e9dec3e1f195" xmlns:ns3="ec500478-62e0-46fc-87f1-cfa988e486b4" targetNamespace="http://schemas.microsoft.com/office/2006/metadata/properties" ma:root="true" ma:fieldsID="cf4a15c6a1eec5dbba94230cc6a50510" ns2:_="" ns3:_="">
     <xsd:import namespace="72e3a154-4955-46c3-9573-e9dec3e1f195"/>
@@ -12388,15 +12453,6 @@
 </ct:contentTypeSchema>
 </file>
 
-<file path=customXml/item2.xml><?xml version="1.0" encoding="utf-8"?>
-<?mso-contentType ?>
-<FormTemplates xmlns="http://schemas.microsoft.com/sharepoint/v3/contenttype/forms">
-  <Display>DocumentLibraryForm</Display>
-  <Edit>DocumentLibraryForm</Edit>
-  <New>DocumentLibraryForm</New>
-</FormTemplates>
-</file>
-
 <file path=customXml/item3.xml><?xml version="1.0" encoding="utf-8"?>
 <p:properties xmlns:p="http://schemas.microsoft.com/office/2006/metadata/properties" xmlns:xsi="http://www.w3.org/2001/XMLSchema-instance" xmlns:pc="http://schemas.microsoft.com/office/infopath/2007/PartnerControls">
   <documentManagement/>
@@ -12404,6 +12460,14 @@
 </file>
 
 <file path=customXml/itemProps1.xml><?xml version="1.0" encoding="utf-8"?>
+<ds:datastoreItem xmlns:ds="http://schemas.openxmlformats.org/officeDocument/2006/customXml" ds:itemID="{B8B49826-D5EE-4D24-B649-7C3A19B527D2}">
+  <ds:schemaRefs>
+    <ds:schemaRef ds:uri="http://schemas.microsoft.com/sharepoint/v3/contenttype/forms"/>
+  </ds:schemaRefs>
+</ds:datastoreItem>
+</file>
+
+<file path=customXml/itemProps2.xml><?xml version="1.0" encoding="utf-8"?>
 <ds:datastoreItem xmlns:ds="http://schemas.openxmlformats.org/officeDocument/2006/customXml" ds:itemID="{153C8246-6D75-4965-9C67-AB8DC9AA7365}">
   <ds:schemaRefs>
     <ds:schemaRef ds:uri="http://schemas.microsoft.com/office/2006/metadata/contentType"/>
@@ -12418,14 +12482,6 @@
     <ds:schemaRef ds:uri="http://purl.org/dc/elements/1.1/"/>
     <ds:schemaRef ds:uri="http://purl.org/dc/terms/"/>
     <ds:schemaRef ds:uri="http://schemas.microsoft.com/internal/obd"/>
-  </ds:schemaRefs>
-</ds:datastoreItem>
-</file>
-
-<file path=customXml/itemProps2.xml><?xml version="1.0" encoding="utf-8"?>
-<ds:datastoreItem xmlns:ds="http://schemas.openxmlformats.org/officeDocument/2006/customXml" ds:itemID="{B8B49826-D5EE-4D24-B649-7C3A19B527D2}">
-  <ds:schemaRefs>
-    <ds:schemaRef ds:uri="http://schemas.microsoft.com/sharepoint/v3/contenttype/forms"/>
   </ds:schemaRefs>
 </ds:datastoreItem>
 </file>
